--- a/inst/documents/paper2/summary_fig_pap2_labelled.pptx
+++ b/inst/documents/paper2/summary_fig_pap2_labelled.pptx
@@ -105,6 +105,11 @@
       </a:defRPr>
     </a:lvl9pPr>
   </p:defaultTextStyle>
+  <p:extLst>
+    <p:ext uri="{EFAFB233-063F-42B5-8137-9DF3F51BA10A}">
+      <p15:sldGuideLst xmlns:p15="http://schemas.microsoft.com/office/powerpoint/2012/main"/>
+    </p:ext>
+  </p:extLst>
 </p:presentation>
 </file>
 
@@ -239,7 +244,7 @@
           <a:p>
             <a:fld id="{795A5489-B2E9-4A2B-BBC4-EFEAB25041CA}" type="datetimeFigureOut">
               <a:rPr lang="en-GB" smtClean="0"/>
-              <a:t>18/01/2018</a:t>
+              <a:t>26/01/2018</a:t>
             </a:fld>
             <a:endParaRPr lang="en-GB"/>
           </a:p>
@@ -409,7 +414,7 @@
           <a:p>
             <a:fld id="{795A5489-B2E9-4A2B-BBC4-EFEAB25041CA}" type="datetimeFigureOut">
               <a:rPr lang="en-GB" smtClean="0"/>
-              <a:t>18/01/2018</a:t>
+              <a:t>26/01/2018</a:t>
             </a:fld>
             <a:endParaRPr lang="en-GB"/>
           </a:p>
@@ -589,7 +594,7 @@
           <a:p>
             <a:fld id="{795A5489-B2E9-4A2B-BBC4-EFEAB25041CA}" type="datetimeFigureOut">
               <a:rPr lang="en-GB" smtClean="0"/>
-              <a:t>18/01/2018</a:t>
+              <a:t>26/01/2018</a:t>
             </a:fld>
             <a:endParaRPr lang="en-GB"/>
           </a:p>
@@ -759,7 +764,7 @@
           <a:p>
             <a:fld id="{795A5489-B2E9-4A2B-BBC4-EFEAB25041CA}" type="datetimeFigureOut">
               <a:rPr lang="en-GB" smtClean="0"/>
-              <a:t>18/01/2018</a:t>
+              <a:t>26/01/2018</a:t>
             </a:fld>
             <a:endParaRPr lang="en-GB"/>
           </a:p>
@@ -1005,7 +1010,7 @@
           <a:p>
             <a:fld id="{795A5489-B2E9-4A2B-BBC4-EFEAB25041CA}" type="datetimeFigureOut">
               <a:rPr lang="en-GB" smtClean="0"/>
-              <a:t>18/01/2018</a:t>
+              <a:t>26/01/2018</a:t>
             </a:fld>
             <a:endParaRPr lang="en-GB"/>
           </a:p>
@@ -1237,7 +1242,7 @@
           <a:p>
             <a:fld id="{795A5489-B2E9-4A2B-BBC4-EFEAB25041CA}" type="datetimeFigureOut">
               <a:rPr lang="en-GB" smtClean="0"/>
-              <a:t>18/01/2018</a:t>
+              <a:t>26/01/2018</a:t>
             </a:fld>
             <a:endParaRPr lang="en-GB"/>
           </a:p>
@@ -1604,7 +1609,7 @@
           <a:p>
             <a:fld id="{795A5489-B2E9-4A2B-BBC4-EFEAB25041CA}" type="datetimeFigureOut">
               <a:rPr lang="en-GB" smtClean="0"/>
-              <a:t>18/01/2018</a:t>
+              <a:t>26/01/2018</a:t>
             </a:fld>
             <a:endParaRPr lang="en-GB"/>
           </a:p>
@@ -1722,7 +1727,7 @@
           <a:p>
             <a:fld id="{795A5489-B2E9-4A2B-BBC4-EFEAB25041CA}" type="datetimeFigureOut">
               <a:rPr lang="en-GB" smtClean="0"/>
-              <a:t>18/01/2018</a:t>
+              <a:t>26/01/2018</a:t>
             </a:fld>
             <a:endParaRPr lang="en-GB"/>
           </a:p>
@@ -1817,7 +1822,7 @@
           <a:p>
             <a:fld id="{795A5489-B2E9-4A2B-BBC4-EFEAB25041CA}" type="datetimeFigureOut">
               <a:rPr lang="en-GB" smtClean="0"/>
-              <a:t>18/01/2018</a:t>
+              <a:t>26/01/2018</a:t>
             </a:fld>
             <a:endParaRPr lang="en-GB"/>
           </a:p>
@@ -2094,7 +2099,7 @@
           <a:p>
             <a:fld id="{795A5489-B2E9-4A2B-BBC4-EFEAB25041CA}" type="datetimeFigureOut">
               <a:rPr lang="en-GB" smtClean="0"/>
-              <a:t>18/01/2018</a:t>
+              <a:t>26/01/2018</a:t>
             </a:fld>
             <a:endParaRPr lang="en-GB"/>
           </a:p>
@@ -2347,7 +2352,7 @@
           <a:p>
             <a:fld id="{795A5489-B2E9-4A2B-BBC4-EFEAB25041CA}" type="datetimeFigureOut">
               <a:rPr lang="en-GB" smtClean="0"/>
-              <a:t>18/01/2018</a:t>
+              <a:t>26/01/2018</a:t>
             </a:fld>
             <a:endParaRPr lang="en-GB"/>
           </a:p>
@@ -2560,7 +2565,7 @@
           <a:p>
             <a:fld id="{795A5489-B2E9-4A2B-BBC4-EFEAB25041CA}" type="datetimeFigureOut">
               <a:rPr lang="en-GB" smtClean="0"/>
-              <a:t>18/01/2018</a:t>
+              <a:t>26/01/2018</a:t>
             </a:fld>
             <a:endParaRPr lang="en-GB"/>
           </a:p>
@@ -3044,15 +3049,7 @@
             </a:r>
             <a:r>
               <a:rPr lang="en-GB" dirty="0" smtClean="0"/>
-              <a:t>igh effectiveness of insecticide 1, </a:t>
-            </a:r>
-            <a:r>
-              <a:rPr lang="en-GB" dirty="0" smtClean="0"/>
-              <a:t>resistance evolution slower for mixture</a:t>
-            </a:r>
-            <a:r>
-              <a:rPr lang="en-GB" dirty="0" smtClean="0"/>
-              <a:t> </a:t>
+              <a:t>igh effectiveness of insecticide 1, resistance evolution slower for mixture </a:t>
             </a:r>
             <a:endParaRPr lang="en-GB" dirty="0"/>
           </a:p>
@@ -3185,7 +3182,19 @@
             </a:r>
             <a:r>
               <a:rPr lang="en-GB" sz="1600" dirty="0" smtClean="0"/>
-              <a:t>ow effectiveness of insecticide 1, slower evolution of resistance to both insecticides when used in a sequence.</a:t>
+              <a:t>ow effectiveness of insecticide </a:t>
+            </a:r>
+            <a:r>
+              <a:rPr lang="en-GB" sz="1600" dirty="0" smtClean="0"/>
+              <a:t>1 : sequence gives slower </a:t>
+            </a:r>
+            <a:r>
+              <a:rPr lang="en-GB" sz="1600" dirty="0" smtClean="0"/>
+              <a:t>evolution of </a:t>
+            </a:r>
+            <a:r>
+              <a:rPr lang="en-GB" sz="1600" dirty="0" smtClean="0"/>
+              <a:t>resistance to both.</a:t>
             </a:r>
             <a:endParaRPr lang="en-GB" sz="1600" dirty="0"/>
           </a:p>
@@ -3224,12 +3233,25 @@
             </a:r>
             <a:r>
               <a:rPr lang="en-GB" sz="1600" dirty="0" smtClean="0"/>
-              <a:t>igh effectiveness of insecticide 1</a:t>
+              <a:t>igh effectiveness of insecticide </a:t>
             </a:r>
             <a:r>
               <a:rPr lang="en-GB" sz="1600" dirty="0" smtClean="0"/>
-              <a:t>, slower evolution of resistance to both insecticides when used in a mixture.</a:t>
-            </a:r>
+              <a:t>1 </a:t>
+            </a:r>
+            <a:r>
+              <a:rPr lang="en-GB" sz="1600" dirty="0"/>
+              <a:t>: </a:t>
+            </a:r>
+            <a:r>
+              <a:rPr lang="en-GB" sz="1600" dirty="0" smtClean="0"/>
+              <a:t>mixture </a:t>
+            </a:r>
+            <a:r>
+              <a:rPr lang="en-GB" sz="1600" dirty="0"/>
+              <a:t>gives slower evolution of resistance to both.</a:t>
+            </a:r>
+            <a:endParaRPr lang="en-GB" sz="1600" dirty="0"/>
           </a:p>
         </p:txBody>
       </p:sp>
@@ -3241,8 +3263,8 @@
         </p:nvSpPr>
         <p:spPr>
           <a:xfrm>
-            <a:off x="2619555" y="5341506"/>
-            <a:ext cx="7049740" cy="584775"/>
+            <a:off x="2548647" y="5341506"/>
+            <a:ext cx="7120648" cy="584775"/>
           </a:xfrm>
           <a:prstGeom prst="rect">
             <a:avLst/>
@@ -3270,17 +3292,20 @@
             </a:r>
             <a:r>
               <a:rPr lang="en-GB" sz="1600" dirty="0" smtClean="0"/>
-              <a:t>igher effectiveness of insecticide 1 on the right</a:t>
+              <a:t>igher effectiveness of insecticide 1 </a:t>
             </a:r>
             <a:r>
               <a:rPr lang="en-GB" sz="1600" dirty="0" smtClean="0"/>
-              <a:t> speeds up evolution to itself in the mixture but slows down evolution of resistance to </a:t>
+              <a:t>in</a:t>
             </a:r>
             <a:r>
               <a:rPr lang="en-GB" sz="1600" dirty="0" smtClean="0"/>
-              <a:t>the partner.</a:t>
-            </a:r>
-            <a:endParaRPr lang="en-GB" sz="1600" dirty="0" smtClean="0"/>
+              <a:t> right panel </a:t>
+            </a:r>
+            <a:r>
+              <a:rPr lang="en-GB" sz="1600" dirty="0" smtClean="0"/>
+              <a:t>speeds up evolution to itself in the mixture but slows down evolution of resistance to the partner.</a:t>
+            </a:r>
           </a:p>
         </p:txBody>
       </p:sp>
@@ -3292,8 +3317,8 @@
         </p:nvSpPr>
         <p:spPr>
           <a:xfrm>
-            <a:off x="2619553" y="5981140"/>
-            <a:ext cx="7049741" cy="523220"/>
+            <a:off x="2548647" y="5981140"/>
+            <a:ext cx="7120647" cy="523220"/>
           </a:xfrm>
           <a:prstGeom prst="rect">
             <a:avLst/>
@@ -3323,7 +3348,6 @@
               <a:rPr lang="en-GB" sz="1400" dirty="0" smtClean="0"/>
               <a:t>explanation. Malaria Journal. Adapted from Fig. 6.</a:t>
             </a:r>
-            <a:endParaRPr lang="en-GB" sz="1400" dirty="0" smtClean="0"/>
           </a:p>
         </p:txBody>
       </p:sp>
